--- a/docs/Image Sources.pptx
+++ b/docs/Image Sources.pptx
@@ -251,7 +251,7 @@
           <a:p>
             <a:fld id="{0E95A78A-B763-441B-A874-EAEEC6ED6B8F}" type="datetimeFigureOut">
               <a:rPr lang="ru-RU" smtClean="0"/>
-              <a:t>11.12.2023</a:t>
+              <a:t>23.05.2024</a:t>
             </a:fld>
             <a:endParaRPr lang="ru-RU"/>
           </a:p>
@@ -421,7 +421,7 @@
           <a:p>
             <a:fld id="{0E95A78A-B763-441B-A874-EAEEC6ED6B8F}" type="datetimeFigureOut">
               <a:rPr lang="ru-RU" smtClean="0"/>
-              <a:t>11.12.2023</a:t>
+              <a:t>23.05.2024</a:t>
             </a:fld>
             <a:endParaRPr lang="ru-RU"/>
           </a:p>
@@ -601,7 +601,7 @@
           <a:p>
             <a:fld id="{0E95A78A-B763-441B-A874-EAEEC6ED6B8F}" type="datetimeFigureOut">
               <a:rPr lang="ru-RU" smtClean="0"/>
-              <a:t>11.12.2023</a:t>
+              <a:t>23.05.2024</a:t>
             </a:fld>
             <a:endParaRPr lang="ru-RU"/>
           </a:p>
@@ -771,7 +771,7 @@
           <a:p>
             <a:fld id="{0E95A78A-B763-441B-A874-EAEEC6ED6B8F}" type="datetimeFigureOut">
               <a:rPr lang="ru-RU" smtClean="0"/>
-              <a:t>11.12.2023</a:t>
+              <a:t>23.05.2024</a:t>
             </a:fld>
             <a:endParaRPr lang="ru-RU"/>
           </a:p>
@@ -1017,7 +1017,7 @@
           <a:p>
             <a:fld id="{0E95A78A-B763-441B-A874-EAEEC6ED6B8F}" type="datetimeFigureOut">
               <a:rPr lang="ru-RU" smtClean="0"/>
-              <a:t>11.12.2023</a:t>
+              <a:t>23.05.2024</a:t>
             </a:fld>
             <a:endParaRPr lang="ru-RU"/>
           </a:p>
@@ -1249,7 +1249,7 @@
           <a:p>
             <a:fld id="{0E95A78A-B763-441B-A874-EAEEC6ED6B8F}" type="datetimeFigureOut">
               <a:rPr lang="ru-RU" smtClean="0"/>
-              <a:t>11.12.2023</a:t>
+              <a:t>23.05.2024</a:t>
             </a:fld>
             <a:endParaRPr lang="ru-RU"/>
           </a:p>
@@ -1616,7 +1616,7 @@
           <a:p>
             <a:fld id="{0E95A78A-B763-441B-A874-EAEEC6ED6B8F}" type="datetimeFigureOut">
               <a:rPr lang="ru-RU" smtClean="0"/>
-              <a:t>11.12.2023</a:t>
+              <a:t>23.05.2024</a:t>
             </a:fld>
             <a:endParaRPr lang="ru-RU"/>
           </a:p>
@@ -1734,7 +1734,7 @@
           <a:p>
             <a:fld id="{0E95A78A-B763-441B-A874-EAEEC6ED6B8F}" type="datetimeFigureOut">
               <a:rPr lang="ru-RU" smtClean="0"/>
-              <a:t>11.12.2023</a:t>
+              <a:t>23.05.2024</a:t>
             </a:fld>
             <a:endParaRPr lang="ru-RU"/>
           </a:p>
@@ -1829,7 +1829,7 @@
           <a:p>
             <a:fld id="{0E95A78A-B763-441B-A874-EAEEC6ED6B8F}" type="datetimeFigureOut">
               <a:rPr lang="ru-RU" smtClean="0"/>
-              <a:t>11.12.2023</a:t>
+              <a:t>23.05.2024</a:t>
             </a:fld>
             <a:endParaRPr lang="ru-RU"/>
           </a:p>
@@ -2106,7 +2106,7 @@
           <a:p>
             <a:fld id="{0E95A78A-B763-441B-A874-EAEEC6ED6B8F}" type="datetimeFigureOut">
               <a:rPr lang="ru-RU" smtClean="0"/>
-              <a:t>11.12.2023</a:t>
+              <a:t>23.05.2024</a:t>
             </a:fld>
             <a:endParaRPr lang="ru-RU"/>
           </a:p>
@@ -2359,7 +2359,7 @@
           <a:p>
             <a:fld id="{0E95A78A-B763-441B-A874-EAEEC6ED6B8F}" type="datetimeFigureOut">
               <a:rPr lang="ru-RU" smtClean="0"/>
-              <a:t>11.12.2023</a:t>
+              <a:t>23.05.2024</a:t>
             </a:fld>
             <a:endParaRPr lang="ru-RU"/>
           </a:p>
@@ -2572,7 +2572,7 @@
           <a:p>
             <a:fld id="{0E95A78A-B763-441B-A874-EAEEC6ED6B8F}" type="datetimeFigureOut">
               <a:rPr lang="ru-RU" smtClean="0"/>
-              <a:t>11.12.2023</a:t>
+              <a:t>23.05.2024</a:t>
             </a:fld>
             <a:endParaRPr lang="ru-RU"/>
           </a:p>
@@ -5412,7 +5412,7 @@
       </p:grpSpPr>
       <p:pic>
         <p:nvPicPr>
-          <p:cNvPr id="5" name="Рисунок 4"/>
+          <p:cNvPr id="2" name="Рисунок 1"/>
           <p:cNvPicPr>
             <a:picLocks noChangeAspect="1"/>
           </p:cNvPicPr>
@@ -5426,8 +5426,8 @@
         </p:blipFill>
         <p:spPr>
           <a:xfrm>
-            <a:off x="983062" y="197957"/>
-            <a:ext cx="8235753" cy="6249437"/>
+            <a:off x="702720" y="207818"/>
+            <a:ext cx="6430677" cy="6249437"/>
           </a:xfrm>
           <a:prstGeom prst="rect">
             <a:avLst/>

--- a/docs/Image Sources.pptx
+++ b/docs/Image Sources.pptx
@@ -251,7 +251,7 @@
           <a:p>
             <a:fld id="{0E95A78A-B763-441B-A874-EAEEC6ED6B8F}" type="datetimeFigureOut">
               <a:rPr lang="ru-RU" smtClean="0"/>
-              <a:t>23.05.2024</a:t>
+              <a:t>25.05.2024</a:t>
             </a:fld>
             <a:endParaRPr lang="ru-RU"/>
           </a:p>
@@ -421,7 +421,7 @@
           <a:p>
             <a:fld id="{0E95A78A-B763-441B-A874-EAEEC6ED6B8F}" type="datetimeFigureOut">
               <a:rPr lang="ru-RU" smtClean="0"/>
-              <a:t>23.05.2024</a:t>
+              <a:t>25.05.2024</a:t>
             </a:fld>
             <a:endParaRPr lang="ru-RU"/>
           </a:p>
@@ -601,7 +601,7 @@
           <a:p>
             <a:fld id="{0E95A78A-B763-441B-A874-EAEEC6ED6B8F}" type="datetimeFigureOut">
               <a:rPr lang="ru-RU" smtClean="0"/>
-              <a:t>23.05.2024</a:t>
+              <a:t>25.05.2024</a:t>
             </a:fld>
             <a:endParaRPr lang="ru-RU"/>
           </a:p>
@@ -771,7 +771,7 @@
           <a:p>
             <a:fld id="{0E95A78A-B763-441B-A874-EAEEC6ED6B8F}" type="datetimeFigureOut">
               <a:rPr lang="ru-RU" smtClean="0"/>
-              <a:t>23.05.2024</a:t>
+              <a:t>25.05.2024</a:t>
             </a:fld>
             <a:endParaRPr lang="ru-RU"/>
           </a:p>
@@ -1017,7 +1017,7 @@
           <a:p>
             <a:fld id="{0E95A78A-B763-441B-A874-EAEEC6ED6B8F}" type="datetimeFigureOut">
               <a:rPr lang="ru-RU" smtClean="0"/>
-              <a:t>23.05.2024</a:t>
+              <a:t>25.05.2024</a:t>
             </a:fld>
             <a:endParaRPr lang="ru-RU"/>
           </a:p>
@@ -1249,7 +1249,7 @@
           <a:p>
             <a:fld id="{0E95A78A-B763-441B-A874-EAEEC6ED6B8F}" type="datetimeFigureOut">
               <a:rPr lang="ru-RU" smtClean="0"/>
-              <a:t>23.05.2024</a:t>
+              <a:t>25.05.2024</a:t>
             </a:fld>
             <a:endParaRPr lang="ru-RU"/>
           </a:p>
@@ -1616,7 +1616,7 @@
           <a:p>
             <a:fld id="{0E95A78A-B763-441B-A874-EAEEC6ED6B8F}" type="datetimeFigureOut">
               <a:rPr lang="ru-RU" smtClean="0"/>
-              <a:t>23.05.2024</a:t>
+              <a:t>25.05.2024</a:t>
             </a:fld>
             <a:endParaRPr lang="ru-RU"/>
           </a:p>
@@ -1734,7 +1734,7 @@
           <a:p>
             <a:fld id="{0E95A78A-B763-441B-A874-EAEEC6ED6B8F}" type="datetimeFigureOut">
               <a:rPr lang="ru-RU" smtClean="0"/>
-              <a:t>23.05.2024</a:t>
+              <a:t>25.05.2024</a:t>
             </a:fld>
             <a:endParaRPr lang="ru-RU"/>
           </a:p>
@@ -1829,7 +1829,7 @@
           <a:p>
             <a:fld id="{0E95A78A-B763-441B-A874-EAEEC6ED6B8F}" type="datetimeFigureOut">
               <a:rPr lang="ru-RU" smtClean="0"/>
-              <a:t>23.05.2024</a:t>
+              <a:t>25.05.2024</a:t>
             </a:fld>
             <a:endParaRPr lang="ru-RU"/>
           </a:p>
@@ -2106,7 +2106,7 @@
           <a:p>
             <a:fld id="{0E95A78A-B763-441B-A874-EAEEC6ED6B8F}" type="datetimeFigureOut">
               <a:rPr lang="ru-RU" smtClean="0"/>
-              <a:t>23.05.2024</a:t>
+              <a:t>25.05.2024</a:t>
             </a:fld>
             <a:endParaRPr lang="ru-RU"/>
           </a:p>
@@ -2359,7 +2359,7 @@
           <a:p>
             <a:fld id="{0E95A78A-B763-441B-A874-EAEEC6ED6B8F}" type="datetimeFigureOut">
               <a:rPr lang="ru-RU" smtClean="0"/>
-              <a:t>23.05.2024</a:t>
+              <a:t>25.05.2024</a:t>
             </a:fld>
             <a:endParaRPr lang="ru-RU"/>
           </a:p>
@@ -2572,7 +2572,7 @@
           <a:p>
             <a:fld id="{0E95A78A-B763-441B-A874-EAEEC6ED6B8F}" type="datetimeFigureOut">
               <a:rPr lang="ru-RU" smtClean="0"/>
-              <a:t>23.05.2024</a:t>
+              <a:t>25.05.2024</a:t>
             </a:fld>
             <a:endParaRPr lang="ru-RU"/>
           </a:p>
@@ -5525,7 +5525,7 @@
       </p:grpSpPr>
       <p:pic>
         <p:nvPicPr>
-          <p:cNvPr id="3" name="Рисунок 2"/>
+          <p:cNvPr id="2" name="Рисунок 1"/>
           <p:cNvPicPr>
             <a:picLocks noChangeAspect="1"/>
           </p:cNvPicPr>
@@ -5539,8 +5539,8 @@
         </p:blipFill>
         <p:spPr>
           <a:xfrm>
-            <a:off x="651598" y="525767"/>
-            <a:ext cx="5589292" cy="4135133"/>
+            <a:off x="706746" y="737974"/>
+            <a:ext cx="4934957" cy="4842619"/>
           </a:xfrm>
           <a:prstGeom prst="rect">
             <a:avLst/>
@@ -5562,6 +5562,13 @@
   <p:clrMapOvr>
     <a:masterClrMapping/>
   </p:clrMapOvr>
+  <p:timing>
+    <p:tnLst>
+      <p:par>
+        <p:cTn id="1" dur="indefinite" restart="never" nodeType="tmRoot"/>
+      </p:par>
+    </p:tnLst>
+  </p:timing>
 </p:sld>
 </file>
 
@@ -5584,7 +5591,7 @@
       </p:grpSpPr>
       <p:pic>
         <p:nvPicPr>
-          <p:cNvPr id="5" name="Рисунок 4"/>
+          <p:cNvPr id="2" name="Рисунок 1"/>
           <p:cNvPicPr>
             <a:picLocks noChangeAspect="1"/>
           </p:cNvPicPr>
@@ -5598,8 +5605,37 @@
         </p:blipFill>
         <p:spPr>
           <a:xfrm>
-            <a:off x="3974233" y="1910068"/>
-            <a:ext cx="5576167" cy="4126534"/>
+            <a:off x="706746" y="737974"/>
+            <a:ext cx="4939881" cy="4842619"/>
+          </a:xfrm>
+          <a:prstGeom prst="rect">
+            <a:avLst/>
+          </a:prstGeom>
+          <a:ln>
+            <a:solidFill>
+              <a:schemeClr val="accent5"/>
+            </a:solidFill>
+          </a:ln>
+        </p:spPr>
+      </p:pic>
+      <p:pic>
+        <p:nvPicPr>
+          <p:cNvPr id="3" name="Рисунок 2"/>
+          <p:cNvPicPr>
+            <a:picLocks noChangeAspect="1"/>
+          </p:cNvPicPr>
+          <p:nvPr/>
+        </p:nvPicPr>
+        <p:blipFill>
+          <a:blip r:embed="rId3"/>
+          <a:stretch>
+            <a:fillRect/>
+          </a:stretch>
+        </p:blipFill>
+        <p:spPr>
+          <a:xfrm>
+            <a:off x="6001887" y="737974"/>
+            <a:ext cx="4940087" cy="4842619"/>
           </a:xfrm>
           <a:prstGeom prst="rect">
             <a:avLst/>
@@ -5621,6 +5657,13 @@
   <p:clrMapOvr>
     <a:masterClrMapping/>
   </p:clrMapOvr>
+  <p:timing>
+    <p:tnLst>
+      <p:par>
+        <p:cTn id="1" dur="indefinite" restart="never" nodeType="tmRoot"/>
+      </p:par>
+    </p:tnLst>
+  </p:timing>
 </p:sld>
 </file>
 

--- a/docs/Image Sources.pptx
+++ b/docs/Image Sources.pptx
@@ -14,6 +14,7 @@
     <p:sldId id="262" r:id="rId8"/>
     <p:sldId id="263" r:id="rId9"/>
     <p:sldId id="264" r:id="rId10"/>
+    <p:sldId id="265" r:id="rId11"/>
   </p:sldIdLst>
   <p:sldSz cx="12192000" cy="6858000"/>
   <p:notesSz cx="6858000" cy="9144000"/>
@@ -3215,6 +3216,72 @@
 </p:sld>
 </file>
 
+<file path=ppt/slides/slide10.xml><?xml version="1.0" encoding="utf-8"?>
+<p:sld xmlns:a="http://schemas.openxmlformats.org/drawingml/2006/main" xmlns:r="http://schemas.openxmlformats.org/officeDocument/2006/relationships" xmlns:p="http://schemas.openxmlformats.org/presentationml/2006/main">
+  <p:cSld>
+    <p:spTree>
+      <p:nvGrpSpPr>
+        <p:cNvPr id="1" name=""/>
+        <p:cNvGrpSpPr/>
+        <p:nvPr/>
+      </p:nvGrpSpPr>
+      <p:grpSpPr>
+        <a:xfrm>
+          <a:off x="0" y="0"/>
+          <a:ext cx="0" cy="0"/>
+          <a:chOff x="0" y="0"/>
+          <a:chExt cx="0" cy="0"/>
+        </a:xfrm>
+      </p:grpSpPr>
+      <p:pic>
+        <p:nvPicPr>
+          <p:cNvPr id="3" name="Рисунок 2"/>
+          <p:cNvPicPr>
+            <a:picLocks noChangeAspect="1"/>
+          </p:cNvPicPr>
+          <p:nvPr/>
+        </p:nvPicPr>
+        <p:blipFill>
+          <a:blip r:embed="rId2"/>
+          <a:stretch>
+            <a:fillRect/>
+          </a:stretch>
+        </p:blipFill>
+        <p:spPr>
+          <a:xfrm>
+            <a:off x="1697955" y="187395"/>
+            <a:ext cx="8019623" cy="7861396"/>
+          </a:xfrm>
+          <a:prstGeom prst="rect">
+            <a:avLst/>
+          </a:prstGeom>
+          <a:ln>
+            <a:solidFill>
+              <a:schemeClr val="accent5"/>
+            </a:solidFill>
+          </a:ln>
+        </p:spPr>
+      </p:pic>
+    </p:spTree>
+    <p:extLst>
+      <p:ext uri="{BB962C8B-B14F-4D97-AF65-F5344CB8AC3E}">
+        <p14:creationId xmlns:p14="http://schemas.microsoft.com/office/powerpoint/2010/main" val="1969358758"/>
+      </p:ext>
+    </p:extLst>
+  </p:cSld>
+  <p:clrMapOvr>
+    <a:masterClrMapping/>
+  </p:clrMapOvr>
+  <p:timing>
+    <p:tnLst>
+      <p:par>
+        <p:cTn id="1" dur="indefinite" restart="never" nodeType="tmRoot"/>
+      </p:par>
+    </p:tnLst>
+  </p:timing>
+</p:sld>
+</file>
+
 <file path=ppt/slides/slide2.xml><?xml version="1.0" encoding="utf-8"?>
 <p:sld xmlns:a="http://schemas.openxmlformats.org/drawingml/2006/main" xmlns:r="http://schemas.openxmlformats.org/officeDocument/2006/relationships" xmlns:p="http://schemas.openxmlformats.org/presentationml/2006/main">
   <p:cSld>
@@ -5426,8 +5493,8 @@
         </p:blipFill>
         <p:spPr>
           <a:xfrm>
-            <a:off x="702720" y="207818"/>
-            <a:ext cx="6430677" cy="6249437"/>
+            <a:off x="775243" y="66501"/>
+            <a:ext cx="8019623" cy="7793601"/>
           </a:xfrm>
           <a:prstGeom prst="rect">
             <a:avLst/>
@@ -5539,8 +5606,8 @@
         </p:blipFill>
         <p:spPr>
           <a:xfrm>
-            <a:off x="706746" y="737974"/>
-            <a:ext cx="4934957" cy="4842619"/>
+            <a:off x="1697954" y="197842"/>
+            <a:ext cx="8019623" cy="7869568"/>
           </a:xfrm>
           <a:prstGeom prst="rect">
             <a:avLst/>
@@ -5605,37 +5672,8 @@
         </p:blipFill>
         <p:spPr>
           <a:xfrm>
-            <a:off x="706746" y="737974"/>
-            <a:ext cx="4939881" cy="4842619"/>
-          </a:xfrm>
-          <a:prstGeom prst="rect">
-            <a:avLst/>
-          </a:prstGeom>
-          <a:ln>
-            <a:solidFill>
-              <a:schemeClr val="accent5"/>
-            </a:solidFill>
-          </a:ln>
-        </p:spPr>
-      </p:pic>
-      <p:pic>
-        <p:nvPicPr>
-          <p:cNvPr id="3" name="Рисунок 2"/>
-          <p:cNvPicPr>
-            <a:picLocks noChangeAspect="1"/>
-          </p:cNvPicPr>
-          <p:nvPr/>
-        </p:nvPicPr>
-        <p:blipFill>
-          <a:blip r:embed="rId3"/>
-          <a:stretch>
-            <a:fillRect/>
-          </a:stretch>
-        </p:blipFill>
-        <p:spPr>
-          <a:xfrm>
-            <a:off x="6001887" y="737974"/>
-            <a:ext cx="4940087" cy="4842619"/>
+            <a:off x="1697955" y="187395"/>
+            <a:ext cx="8019623" cy="7861724"/>
           </a:xfrm>
           <a:prstGeom prst="rect">
             <a:avLst/>

--- a/docs/Image Sources.pptx
+++ b/docs/Image Sources.pptx
@@ -15,6 +15,7 @@
     <p:sldId id="263" r:id="rId9"/>
     <p:sldId id="264" r:id="rId10"/>
     <p:sldId id="265" r:id="rId11"/>
+    <p:sldId id="266" r:id="rId12"/>
   </p:sldIdLst>
   <p:sldSz cx="12192000" cy="6858000"/>
   <p:notesSz cx="6858000" cy="9144000"/>
@@ -3282,6 +3283,65 @@
 </p:sld>
 </file>
 
+<file path=ppt/slides/slide11.xml><?xml version="1.0" encoding="utf-8"?>
+<p:sld xmlns:a="http://schemas.openxmlformats.org/drawingml/2006/main" xmlns:r="http://schemas.openxmlformats.org/officeDocument/2006/relationships" xmlns:p="http://schemas.openxmlformats.org/presentationml/2006/main">
+  <p:cSld>
+    <p:spTree>
+      <p:nvGrpSpPr>
+        <p:cNvPr id="1" name=""/>
+        <p:cNvGrpSpPr/>
+        <p:nvPr/>
+      </p:nvGrpSpPr>
+      <p:grpSpPr>
+        <a:xfrm>
+          <a:off x="0" y="0"/>
+          <a:ext cx="0" cy="0"/>
+          <a:chOff x="0" y="0"/>
+          <a:chExt cx="0" cy="0"/>
+        </a:xfrm>
+      </p:grpSpPr>
+      <p:pic>
+        <p:nvPicPr>
+          <p:cNvPr id="4" name="Рисунок 3"/>
+          <p:cNvPicPr>
+            <a:picLocks noChangeAspect="1"/>
+          </p:cNvPicPr>
+          <p:nvPr/>
+        </p:nvPicPr>
+        <p:blipFill>
+          <a:blip r:embed="rId2"/>
+          <a:stretch>
+            <a:fillRect/>
+          </a:stretch>
+        </p:blipFill>
+        <p:spPr>
+          <a:xfrm>
+            <a:off x="382386" y="365918"/>
+            <a:ext cx="7448203" cy="5747699"/>
+          </a:xfrm>
+          <a:prstGeom prst="rect">
+            <a:avLst/>
+          </a:prstGeom>
+          <a:ln>
+            <a:solidFill>
+              <a:schemeClr val="accent5"/>
+            </a:solidFill>
+          </a:ln>
+        </p:spPr>
+      </p:pic>
+    </p:spTree>
+    <p:extLst>
+      <p:ext uri="{BB962C8B-B14F-4D97-AF65-F5344CB8AC3E}">
+        <p14:creationId xmlns:p14="http://schemas.microsoft.com/office/powerpoint/2010/main" val="98210289"/>
+      </p:ext>
+    </p:extLst>
+  </p:cSld>
+  <p:clrMapOvr>
+    <a:masterClrMapping/>
+  </p:clrMapOvr>
+</p:sld>
+</file>
+
 <file path=ppt/slides/slide2.xml><?xml version="1.0" encoding="utf-8"?>
 <p:sld xmlns:a="http://schemas.openxmlformats.org/drawingml/2006/main" xmlns:r="http://schemas.openxmlformats.org/officeDocument/2006/relationships" xmlns:p="http://schemas.openxmlformats.org/presentationml/2006/main">
   <p:cSld>
